--- a/study/2kyung19/인터페이스 웹디자인 아이디어.pptx
+++ b/study/2kyung19/인터페이스 웹디자인 아이디어.pptx
@@ -13,6 +13,7 @@
     <p:sldId id="265" r:id="rId7"/>
     <p:sldId id="260" r:id="rId8"/>
     <p:sldId id="259" r:id="rId9"/>
+    <p:sldId id="266" r:id="rId10"/>
   </p:sldIdLst>
   <p:sldSz cx="6858000" cy="12192000"/>
   <p:notesSz cx="6858000" cy="9144000"/>
@@ -265,7 +266,7 @@
           <a:p>
             <a:fld id="{3E9C545E-72BF-4ED4-BD68-607A93A57075}" type="datetimeFigureOut">
               <a:rPr lang="ko-KR" altLang="en-US" smtClean="0"/>
-              <a:t>2018-01-24</a:t>
+              <a:t>2018-01-27</a:t>
             </a:fld>
             <a:endParaRPr lang="ko-KR" altLang="en-US"/>
           </a:p>
@@ -435,7 +436,7 @@
           <a:p>
             <a:fld id="{3E9C545E-72BF-4ED4-BD68-607A93A57075}" type="datetimeFigureOut">
               <a:rPr lang="ko-KR" altLang="en-US" smtClean="0"/>
-              <a:t>2018-01-24</a:t>
+              <a:t>2018-01-27</a:t>
             </a:fld>
             <a:endParaRPr lang="ko-KR" altLang="en-US"/>
           </a:p>
@@ -615,7 +616,7 @@
           <a:p>
             <a:fld id="{3E9C545E-72BF-4ED4-BD68-607A93A57075}" type="datetimeFigureOut">
               <a:rPr lang="ko-KR" altLang="en-US" smtClean="0"/>
-              <a:t>2018-01-24</a:t>
+              <a:t>2018-01-27</a:t>
             </a:fld>
             <a:endParaRPr lang="ko-KR" altLang="en-US"/>
           </a:p>
@@ -785,7 +786,7 @@
           <a:p>
             <a:fld id="{3E9C545E-72BF-4ED4-BD68-607A93A57075}" type="datetimeFigureOut">
               <a:rPr lang="ko-KR" altLang="en-US" smtClean="0"/>
-              <a:t>2018-01-24</a:t>
+              <a:t>2018-01-27</a:t>
             </a:fld>
             <a:endParaRPr lang="ko-KR" altLang="en-US"/>
           </a:p>
@@ -1029,7 +1030,7 @@
           <a:p>
             <a:fld id="{3E9C545E-72BF-4ED4-BD68-607A93A57075}" type="datetimeFigureOut">
               <a:rPr lang="ko-KR" altLang="en-US" smtClean="0"/>
-              <a:t>2018-01-24</a:t>
+              <a:t>2018-01-27</a:t>
             </a:fld>
             <a:endParaRPr lang="ko-KR" altLang="en-US"/>
           </a:p>
@@ -1261,7 +1262,7 @@
           <a:p>
             <a:fld id="{3E9C545E-72BF-4ED4-BD68-607A93A57075}" type="datetimeFigureOut">
               <a:rPr lang="ko-KR" altLang="en-US" smtClean="0"/>
-              <a:t>2018-01-24</a:t>
+              <a:t>2018-01-27</a:t>
             </a:fld>
             <a:endParaRPr lang="ko-KR" altLang="en-US"/>
           </a:p>
@@ -1628,7 +1629,7 @@
           <a:p>
             <a:fld id="{3E9C545E-72BF-4ED4-BD68-607A93A57075}" type="datetimeFigureOut">
               <a:rPr lang="ko-KR" altLang="en-US" smtClean="0"/>
-              <a:t>2018-01-24</a:t>
+              <a:t>2018-01-27</a:t>
             </a:fld>
             <a:endParaRPr lang="ko-KR" altLang="en-US"/>
           </a:p>
@@ -1746,7 +1747,7 @@
           <a:p>
             <a:fld id="{3E9C545E-72BF-4ED4-BD68-607A93A57075}" type="datetimeFigureOut">
               <a:rPr lang="ko-KR" altLang="en-US" smtClean="0"/>
-              <a:t>2018-01-24</a:t>
+              <a:t>2018-01-27</a:t>
             </a:fld>
             <a:endParaRPr lang="ko-KR" altLang="en-US"/>
           </a:p>
@@ -1841,7 +1842,7 @@
           <a:p>
             <a:fld id="{3E9C545E-72BF-4ED4-BD68-607A93A57075}" type="datetimeFigureOut">
               <a:rPr lang="ko-KR" altLang="en-US" smtClean="0"/>
-              <a:t>2018-01-24</a:t>
+              <a:t>2018-01-27</a:t>
             </a:fld>
             <a:endParaRPr lang="ko-KR" altLang="en-US"/>
           </a:p>
@@ -2118,7 +2119,7 @@
           <a:p>
             <a:fld id="{3E9C545E-72BF-4ED4-BD68-607A93A57075}" type="datetimeFigureOut">
               <a:rPr lang="ko-KR" altLang="en-US" smtClean="0"/>
-              <a:t>2018-01-24</a:t>
+              <a:t>2018-01-27</a:t>
             </a:fld>
             <a:endParaRPr lang="ko-KR" altLang="en-US"/>
           </a:p>
@@ -2375,7 +2376,7 @@
           <a:p>
             <a:fld id="{3E9C545E-72BF-4ED4-BD68-607A93A57075}" type="datetimeFigureOut">
               <a:rPr lang="ko-KR" altLang="en-US" smtClean="0"/>
-              <a:t>2018-01-24</a:t>
+              <a:t>2018-01-27</a:t>
             </a:fld>
             <a:endParaRPr lang="ko-KR" altLang="en-US"/>
           </a:p>
@@ -2588,7 +2589,7 @@
           <a:p>
             <a:fld id="{3E9C545E-72BF-4ED4-BD68-607A93A57075}" type="datetimeFigureOut">
               <a:rPr lang="ko-KR" altLang="en-US" smtClean="0"/>
-              <a:t>2018-01-24</a:t>
+              <a:t>2018-01-27</a:t>
             </a:fld>
             <a:endParaRPr lang="ko-KR" altLang="en-US"/>
           </a:p>
@@ -11757,6 +11758,329 @@
 </p:sld>
 </file>
 
+<file path=ppt/slides/slide9.xml><?xml version="1.0" encoding="utf-8"?>
+<p:sld xmlns:a="http://schemas.openxmlformats.org/drawingml/2006/main" xmlns:r="http://schemas.openxmlformats.org/officeDocument/2006/relationships" xmlns:p="http://schemas.openxmlformats.org/presentationml/2006/main">
+  <p:cSld>
+    <p:spTree>
+      <p:nvGrpSpPr>
+        <p:cNvPr id="1" name=""/>
+        <p:cNvGrpSpPr/>
+        <p:nvPr/>
+      </p:nvGrpSpPr>
+      <p:grpSpPr>
+        <a:xfrm>
+          <a:off x="0" y="0"/>
+          <a:ext cx="0" cy="0"/>
+          <a:chOff x="0" y="0"/>
+          <a:chExt cx="0" cy="0"/>
+        </a:xfrm>
+      </p:grpSpPr>
+      <p:sp>
+        <p:nvSpPr>
+          <p:cNvPr id="2" name="제목 1">
+            <a:extLst>
+              <a:ext uri="{FF2B5EF4-FFF2-40B4-BE49-F238E27FC236}">
+                <a16:creationId xmlns:a16="http://schemas.microsoft.com/office/drawing/2014/main" id="{0F716538-C1F6-490A-9160-B93157133DDC}"/>
+              </a:ext>
+            </a:extLst>
+          </p:cNvPr>
+          <p:cNvSpPr>
+            <a:spLocks noGrp="1"/>
+          </p:cNvSpPr>
+          <p:nvPr>
+            <p:ph type="title"/>
+          </p:nvPr>
+        </p:nvSpPr>
+        <p:spPr/>
+        <p:txBody>
+          <a:bodyPr/>
+          <a:lstStyle/>
+          <a:p>
+            <a:endParaRPr lang="ko-KR" altLang="en-US"/>
+          </a:p>
+        </p:txBody>
+      </p:sp>
+      <p:sp>
+        <p:nvSpPr>
+          <p:cNvPr id="4" name="직사각형 3">
+            <a:extLst>
+              <a:ext uri="{FF2B5EF4-FFF2-40B4-BE49-F238E27FC236}">
+                <a16:creationId xmlns:a16="http://schemas.microsoft.com/office/drawing/2014/main" id="{0D8D0BA4-AA57-43B2-A1E9-9447573FD762}"/>
+              </a:ext>
+            </a:extLst>
+          </p:cNvPr>
+          <p:cNvSpPr/>
+          <p:nvPr/>
+        </p:nvSpPr>
+        <p:spPr>
+          <a:xfrm rot="10800000">
+            <a:off x="-222" y="0"/>
+            <a:ext cx="6858000" cy="4221480"/>
+          </a:xfrm>
+          <a:prstGeom prst="rect">
+            <a:avLst/>
+          </a:prstGeom>
+          <a:gradFill>
+            <a:gsLst>
+              <a:gs pos="0">
+                <a:srgbClr val="63C6C8"/>
+              </a:gs>
+              <a:gs pos="41000">
+                <a:srgbClr val="4A91AB"/>
+              </a:gs>
+              <a:gs pos="74000">
+                <a:srgbClr val="3C75A0"/>
+              </a:gs>
+              <a:gs pos="100000">
+                <a:srgbClr val="306393"/>
+              </a:gs>
+            </a:gsLst>
+            <a:lin ang="3000000" scaled="0"/>
+          </a:gradFill>
+          <a:ln>
+            <a:noFill/>
+          </a:ln>
+        </p:spPr>
+        <p:style>
+          <a:lnRef idx="2">
+            <a:schemeClr val="accent1">
+              <a:shade val="50000"/>
+            </a:schemeClr>
+          </a:lnRef>
+          <a:fillRef idx="1">
+            <a:schemeClr val="accent1"/>
+          </a:fillRef>
+          <a:effectRef idx="0">
+            <a:schemeClr val="accent1"/>
+          </a:effectRef>
+          <a:fontRef idx="minor">
+            <a:schemeClr val="lt1"/>
+          </a:fontRef>
+        </p:style>
+        <p:txBody>
+          <a:bodyPr rtlCol="0" anchor="ctr"/>
+          <a:lstStyle/>
+          <a:p>
+            <a:pPr algn="ctr"/>
+            <a:endParaRPr lang="ko-KR" altLang="en-US"/>
+          </a:p>
+        </p:txBody>
+      </p:sp>
+      <p:pic>
+        <p:nvPicPr>
+          <p:cNvPr id="13" name="그림 12">
+            <a:extLst>
+              <a:ext uri="{FF2B5EF4-FFF2-40B4-BE49-F238E27FC236}">
+                <a16:creationId xmlns:a16="http://schemas.microsoft.com/office/drawing/2014/main" id="{030C722F-8522-41AF-8A0F-FA6B92C4B8E8}"/>
+              </a:ext>
+            </a:extLst>
+          </p:cNvPr>
+          <p:cNvPicPr>
+            <a:picLocks noChangeAspect="1"/>
+          </p:cNvPicPr>
+          <p:nvPr/>
+        </p:nvPicPr>
+        <p:blipFill rotWithShape="1">
+          <a:blip r:embed="rId2">
+            <a:extLst>
+              <a:ext uri="{BEBA8EAE-BF5A-486C-A8C5-ECC9F3942E4B}">
+                <a14:imgProps xmlns:a14="http://schemas.microsoft.com/office/drawing/2010/main">
+                  <a14:imgLayer r:embed="rId3">
+                    <a14:imgEffect>
+                      <a14:brightnessContrast bright="100000"/>
+                    </a14:imgEffect>
+                  </a14:imgLayer>
+                </a14:imgProps>
+              </a:ext>
+              <a:ext uri="{28A0092B-C50C-407E-A947-70E740481C1C}">
+                <a14:useLocalDpi xmlns:a14="http://schemas.microsoft.com/office/drawing/2010/main" val="0"/>
+              </a:ext>
+            </a:extLst>
+          </a:blip>
+          <a:srcRect t="14529" r="-482" b="29699"/>
+          <a:stretch/>
+        </p:blipFill>
+        <p:spPr>
+          <a:xfrm>
+            <a:off x="2341893" y="1106347"/>
+            <a:ext cx="2198598" cy="1220346"/>
+          </a:xfrm>
+          <a:prstGeom prst="rect">
+            <a:avLst/>
+          </a:prstGeom>
+        </p:spPr>
+      </p:pic>
+      <p:sp>
+        <p:nvSpPr>
+          <p:cNvPr id="14" name="TextBox 13">
+            <a:extLst>
+              <a:ext uri="{FF2B5EF4-FFF2-40B4-BE49-F238E27FC236}">
+                <a16:creationId xmlns:a16="http://schemas.microsoft.com/office/drawing/2014/main" id="{A13F5A47-7F8F-40E4-BFEF-B25186B2BC4C}"/>
+              </a:ext>
+            </a:extLst>
+          </p:cNvPr>
+          <p:cNvSpPr txBox="1"/>
+          <p:nvPr/>
+        </p:nvSpPr>
+        <p:spPr>
+          <a:xfrm>
+            <a:off x="2424739" y="1361312"/>
+            <a:ext cx="2032905" cy="646331"/>
+          </a:xfrm>
+          <a:prstGeom prst="rect">
+            <a:avLst/>
+          </a:prstGeom>
+          <a:noFill/>
+        </p:spPr>
+        <p:txBody>
+          <a:bodyPr wrap="square" rtlCol="0">
+            <a:spAutoFit/>
+          </a:bodyPr>
+          <a:lstStyle/>
+          <a:p>
+            <a:pPr algn="ctr"/>
+            <a:r>
+              <a:rPr lang="en-US" altLang="ko-KR" dirty="0">
+                <a:solidFill>
+                  <a:schemeClr val="bg1"/>
+                </a:solidFill>
+                <a:latin typeface="둥근모꼴" panose="00000500000000000000" pitchFamily="50" charset="-127"/>
+                <a:ea typeface="둥근모꼴" panose="00000500000000000000" pitchFamily="50" charset="-127"/>
+                <a:cs typeface="둥근모꼴" panose="00000500000000000000" pitchFamily="50" charset="-127"/>
+              </a:rPr>
+              <a:t>Hello</a:t>
+            </a:r>
+          </a:p>
+          <a:p>
+            <a:pPr algn="ctr"/>
+            <a:r>
+              <a:rPr lang="en-US" altLang="ko-KR" dirty="0">
+                <a:solidFill>
+                  <a:schemeClr val="bg1"/>
+                </a:solidFill>
+                <a:latin typeface="둥근모꼴" panose="00000500000000000000" pitchFamily="50" charset="-127"/>
+                <a:ea typeface="둥근모꼴" panose="00000500000000000000" pitchFamily="50" charset="-127"/>
+                <a:cs typeface="둥근모꼴" panose="00000500000000000000" pitchFamily="50" charset="-127"/>
+              </a:rPr>
+              <a:t>Interface!</a:t>
+            </a:r>
+            <a:endParaRPr lang="ko-KR" altLang="en-US" dirty="0">
+              <a:solidFill>
+                <a:schemeClr val="bg1"/>
+              </a:solidFill>
+              <a:latin typeface="둥근모꼴" panose="00000500000000000000" pitchFamily="50" charset="-127"/>
+              <a:ea typeface="둥근모꼴" panose="00000500000000000000" pitchFamily="50" charset="-127"/>
+              <a:cs typeface="둥근모꼴" panose="00000500000000000000" pitchFamily="50" charset="-127"/>
+            </a:endParaRPr>
+          </a:p>
+        </p:txBody>
+      </p:sp>
+      <p:sp>
+        <p:nvSpPr>
+          <p:cNvPr id="15" name="TextBox 14">
+            <a:extLst>
+              <a:ext uri="{FF2B5EF4-FFF2-40B4-BE49-F238E27FC236}">
+                <a16:creationId xmlns:a16="http://schemas.microsoft.com/office/drawing/2014/main" id="{0487DE14-398C-4528-B184-55219230AF4C}"/>
+              </a:ext>
+            </a:extLst>
+          </p:cNvPr>
+          <p:cNvSpPr txBox="1"/>
+          <p:nvPr/>
+        </p:nvSpPr>
+        <p:spPr>
+          <a:xfrm>
+            <a:off x="1918858" y="2383529"/>
+            <a:ext cx="2983516" cy="307777"/>
+          </a:xfrm>
+          <a:prstGeom prst="rect">
+            <a:avLst/>
+          </a:prstGeom>
+          <a:noFill/>
+        </p:spPr>
+        <p:txBody>
+          <a:bodyPr wrap="square" rtlCol="0">
+            <a:spAutoFit/>
+          </a:bodyPr>
+          <a:lstStyle/>
+          <a:p>
+            <a:r>
+              <a:rPr lang="ko-KR" altLang="en-US" sz="1400" dirty="0">
+                <a:solidFill>
+                  <a:schemeClr val="bg1"/>
+                </a:solidFill>
+                <a:latin typeface="a고딕15" panose="02020600000000000000" pitchFamily="18" charset="-127"/>
+                <a:ea typeface="a고딕15" panose="02020600000000000000" pitchFamily="18" charset="-127"/>
+              </a:rPr>
+              <a:t>세종대학교 컴퓨터 연구회 </a:t>
+            </a:r>
+            <a:r>
+              <a:rPr lang="en-US" altLang="ko-KR" sz="1400" dirty="0">
+                <a:solidFill>
+                  <a:schemeClr val="bg1"/>
+                </a:solidFill>
+                <a:latin typeface="a고딕15" panose="02020600000000000000" pitchFamily="18" charset="-127"/>
+                <a:ea typeface="a고딕15" panose="02020600000000000000" pitchFamily="18" charset="-127"/>
+              </a:rPr>
+              <a:t>INTERFACE</a:t>
+            </a:r>
+            <a:endParaRPr lang="ko-KR" altLang="en-US" sz="1400" dirty="0">
+              <a:solidFill>
+                <a:schemeClr val="bg1"/>
+              </a:solidFill>
+              <a:latin typeface="a고딕15" panose="02020600000000000000" pitchFamily="18" charset="-127"/>
+              <a:ea typeface="a고딕15" panose="02020600000000000000" pitchFamily="18" charset="-127"/>
+            </a:endParaRPr>
+          </a:p>
+        </p:txBody>
+      </p:sp>
+      <p:pic>
+        <p:nvPicPr>
+          <p:cNvPr id="40" name="그림 39">
+            <a:extLst>
+              <a:ext uri="{FF2B5EF4-FFF2-40B4-BE49-F238E27FC236}">
+                <a16:creationId xmlns:a16="http://schemas.microsoft.com/office/drawing/2014/main" id="{F42BF0E2-F4EB-4851-92ED-8B20D25B04AF}"/>
+              </a:ext>
+            </a:extLst>
+          </p:cNvPr>
+          <p:cNvPicPr>
+            <a:picLocks noChangeAspect="1"/>
+          </p:cNvPicPr>
+          <p:nvPr/>
+        </p:nvPicPr>
+        <p:blipFill rotWithShape="1">
+          <a:blip r:embed="rId4">
+            <a:extLst>
+              <a:ext uri="{28A0092B-C50C-407E-A947-70E740481C1C}">
+                <a14:useLocalDpi xmlns:a14="http://schemas.microsoft.com/office/drawing/2010/main" val="0"/>
+              </a:ext>
+            </a:extLst>
+          </a:blip>
+          <a:srcRect b="7702"/>
+          <a:stretch/>
+        </p:blipFill>
+        <p:spPr>
+          <a:xfrm>
+            <a:off x="12191" y="0"/>
+            <a:ext cx="6858000" cy="4221481"/>
+          </a:xfrm>
+          <a:prstGeom prst="rect">
+            <a:avLst/>
+          </a:prstGeom>
+        </p:spPr>
+      </p:pic>
+    </p:spTree>
+    <p:extLst>
+      <p:ext uri="{BB962C8B-B14F-4D97-AF65-F5344CB8AC3E}">
+        <p14:creationId xmlns:p14="http://schemas.microsoft.com/office/powerpoint/2010/main" val="3932488089"/>
+      </p:ext>
+    </p:extLst>
+  </p:cSld>
+  <p:clrMapOvr>
+    <a:masterClrMapping/>
+  </p:clrMapOvr>
+</p:sld>
+</file>
+
 <file path=ppt/theme/theme1.xml><?xml version="1.0" encoding="utf-8"?>
 <a:theme xmlns:a="http://schemas.openxmlformats.org/drawingml/2006/main" name="Office 테마">
   <a:themeElements>
